--- a/app/static/export/mpi-revenue_won_to_cost_ratio_mt-previous_year.pptx
+++ b/app/static/export/mpi-revenue_won_to_cost_ratio_mt-previous_year.pptx
@@ -9,7 +9,7 @@
     <p:sldId id="257" r:id="rId3"/>
     <p:sldId id="258" r:id="rId4"/>
   </p:sldIdLst>
-  <p:sldSz cx="35052000" cy="24777700" type="A4"/>
+  <p:sldSz cx="35052000" cy="24777700"/>
   <p:notesSz cx="24777700" cy="35052000"/>
   <p:defaultTextStyle>
     <a:defPPr>
@@ -108,10 +108,25 @@
   </p:defaultTextStyle>
   <p:extLst>
     <p:ext uri="{EFAFB233-063F-42B5-8137-9DF3F51BA10A}">
-      <p15:sldGuideLst xmlns:p15="http://schemas.microsoft.com/office/powerpoint/2012/main"/>
+      <p15:sldGuideLst xmlns:p15="http://schemas.microsoft.com/office/powerpoint/2012/main">
+        <p15:guide id="1" orient="horz" pos="2160">
+          <p15:clr>
+            <a:srgbClr val="A4A3A4"/>
+          </p15:clr>
+        </p15:guide>
+        <p15:guide id="2" pos="2880">
+          <p15:clr>
+            <a:srgbClr val="A4A3A4"/>
+          </p15:clr>
+        </p15:guide>
+      </p15:sldGuideLst>
     </p:ext>
   </p:extLst>
 </p:presentation>
+</file>
+
+<file path=ppt/revisionInfo.xml><?xml version="1.0" encoding="utf-8"?>
+<p1510:revInfo xmlns:a="http://schemas.openxmlformats.org/drawingml/2006/main" xmlns:r="http://schemas.openxmlformats.org/officeDocument/2006/relationships" xmlns:p1510="http://schemas.microsoft.com/office/powerpoint/2015/10/main"/>
 </file>
 
 <file path=ppt/slideLayouts/slideLayout1.xml><?xml version="1.0" encoding="utf-8"?>
@@ -152,10 +167,9 @@
           <a:lstStyle/>
           <a:p>
             <a:r>
-              <a:rPr lang="en-US" smtClean="0"/>
+              <a:rPr lang="en-US"/>
               <a:t>Click to edit Master title style</a:t>
             </a:r>
-            <a:endParaRPr lang="en-US"/>
           </a:p>
         </p:txBody>
       </p:sp>
@@ -271,10 +285,9 @@
           </a:lstStyle>
           <a:p>
             <a:r>
-              <a:rPr lang="en-US" smtClean="0"/>
+              <a:rPr lang="en-US"/>
               <a:t>Click to edit Master subtitle style</a:t>
             </a:r>
-            <a:endParaRPr lang="en-US"/>
           </a:p>
         </p:txBody>
       </p:sp>
@@ -295,7 +308,7 @@
           <a:p>
             <a:fld id="{F8166F1F-CE9B-4651-A6AA-CD717754106B}" type="datetimeFigureOut">
               <a:rPr lang="en-US" smtClean="0"/>
-              <a:t>2/27/2018</a:t>
+              <a:t>3/5/2018</a:t>
             </a:fld>
             <a:endParaRPr lang="en-US"/>
           </a:p>
@@ -384,10 +397,9 @@
           <a:lstStyle/>
           <a:p>
             <a:r>
-              <a:rPr lang="en-US" smtClean="0"/>
+              <a:rPr lang="en-US"/>
               <a:t>Click to edit Master title style</a:t>
             </a:r>
-            <a:endParaRPr lang="en-US"/>
           </a:p>
         </p:txBody>
       </p:sp>
@@ -408,38 +420,37 @@
           <a:p>
             <a:pPr lvl="0"/>
             <a:r>
-              <a:rPr lang="en-US" smtClean="0"/>
+              <a:rPr lang="en-US"/>
               <a:t>Click to edit Master text styles</a:t>
             </a:r>
           </a:p>
           <a:p>
             <a:pPr lvl="1"/>
             <a:r>
-              <a:rPr lang="en-US" smtClean="0"/>
+              <a:rPr lang="en-US"/>
               <a:t>Second level</a:t>
             </a:r>
           </a:p>
           <a:p>
             <a:pPr lvl="2"/>
             <a:r>
-              <a:rPr lang="en-US" smtClean="0"/>
+              <a:rPr lang="en-US"/>
               <a:t>Third level</a:t>
             </a:r>
           </a:p>
           <a:p>
             <a:pPr lvl="3"/>
             <a:r>
-              <a:rPr lang="en-US" smtClean="0"/>
+              <a:rPr lang="en-US"/>
               <a:t>Fourth level</a:t>
             </a:r>
           </a:p>
           <a:p>
             <a:pPr lvl="4"/>
             <a:r>
-              <a:rPr lang="en-US" smtClean="0"/>
+              <a:rPr lang="en-US"/>
               <a:t>Fifth level</a:t>
             </a:r>
-            <a:endParaRPr lang="en-US"/>
           </a:p>
         </p:txBody>
       </p:sp>
@@ -460,7 +471,7 @@
           <a:p>
             <a:fld id="{A76116CE-C4A3-4A05-B2D7-7C2E9A889C0F}" type="datetimeFigureOut">
               <a:rPr lang="en-US" smtClean="0"/>
-              <a:t>1/30/2017</a:t>
+              <a:t>3/5/2018</a:t>
             </a:fld>
             <a:endParaRPr lang="en-US"/>
           </a:p>
@@ -554,10 +565,9 @@
           <a:lstStyle/>
           <a:p>
             <a:r>
-              <a:rPr lang="en-US" smtClean="0"/>
+              <a:rPr lang="en-US"/>
               <a:t>Click to edit Master title style</a:t>
             </a:r>
-            <a:endParaRPr lang="en-US"/>
           </a:p>
         </p:txBody>
       </p:sp>
@@ -583,38 +593,37 @@
           <a:p>
             <a:pPr lvl="0"/>
             <a:r>
-              <a:rPr lang="en-US" smtClean="0"/>
+              <a:rPr lang="en-US"/>
               <a:t>Click to edit Master text styles</a:t>
             </a:r>
           </a:p>
           <a:p>
             <a:pPr lvl="1"/>
             <a:r>
-              <a:rPr lang="en-US" smtClean="0"/>
+              <a:rPr lang="en-US"/>
               <a:t>Second level</a:t>
             </a:r>
           </a:p>
           <a:p>
             <a:pPr lvl="2"/>
             <a:r>
-              <a:rPr lang="en-US" smtClean="0"/>
+              <a:rPr lang="en-US"/>
               <a:t>Third level</a:t>
             </a:r>
           </a:p>
           <a:p>
             <a:pPr lvl="3"/>
             <a:r>
-              <a:rPr lang="en-US" smtClean="0"/>
+              <a:rPr lang="en-US"/>
               <a:t>Fourth level</a:t>
             </a:r>
           </a:p>
           <a:p>
             <a:pPr lvl="4"/>
             <a:r>
-              <a:rPr lang="en-US" smtClean="0"/>
+              <a:rPr lang="en-US"/>
               <a:t>Fifth level</a:t>
             </a:r>
-            <a:endParaRPr lang="en-US"/>
           </a:p>
         </p:txBody>
       </p:sp>
@@ -635,7 +644,7 @@
           <a:p>
             <a:fld id="{A76116CE-C4A3-4A05-B2D7-7C2E9A889C0F}" type="datetimeFigureOut">
               <a:rPr lang="en-US" smtClean="0"/>
-              <a:t>1/30/2017</a:t>
+              <a:t>3/5/2018</a:t>
             </a:fld>
             <a:endParaRPr lang="en-US"/>
           </a:p>
@@ -724,10 +733,9 @@
           <a:lstStyle/>
           <a:p>
             <a:r>
-              <a:rPr lang="en-US" smtClean="0"/>
+              <a:rPr lang="en-US"/>
               <a:t>Click to edit Master title style</a:t>
             </a:r>
-            <a:endParaRPr lang="en-US"/>
           </a:p>
         </p:txBody>
       </p:sp>
@@ -750,38 +758,37 @@
               <a:buChar char="•"/>
             </a:pPr>
             <a:r>
-              <a:rPr lang="en-US" smtClean="0"/>
+              <a:rPr lang="en-US"/>
               <a:t>Click to edit Master text styles</a:t>
             </a:r>
           </a:p>
           <a:p>
             <a:pPr lvl="1"/>
             <a:r>
-              <a:rPr lang="en-US" smtClean="0"/>
+              <a:rPr lang="en-US"/>
               <a:t>Second level</a:t>
             </a:r>
           </a:p>
           <a:p>
             <a:pPr lvl="2"/>
             <a:r>
-              <a:rPr lang="en-US" smtClean="0"/>
+              <a:rPr lang="en-US"/>
               <a:t>Third level</a:t>
             </a:r>
           </a:p>
           <a:p>
             <a:pPr lvl="3"/>
             <a:r>
-              <a:rPr lang="en-US" smtClean="0"/>
+              <a:rPr lang="en-US"/>
               <a:t>Fourth level</a:t>
             </a:r>
           </a:p>
           <a:p>
             <a:pPr lvl="4"/>
             <a:r>
-              <a:rPr lang="en-US" smtClean="0"/>
+              <a:rPr lang="en-US"/>
               <a:t>Fifth level</a:t>
             </a:r>
-            <a:endParaRPr lang="en-US"/>
           </a:p>
         </p:txBody>
       </p:sp>
@@ -802,7 +809,7 @@
           <a:p>
             <a:fld id="{A76116CE-C4A3-4A05-B2D7-7C2E9A889C0F}" type="datetimeFigureOut">
               <a:rPr lang="en-US" smtClean="0"/>
-              <a:t>2/27/2018</a:t>
+              <a:t>3/5/2018</a:t>
             </a:fld>
             <a:endParaRPr lang="en-US"/>
           </a:p>
@@ -900,10 +907,9 @@
           </a:lstStyle>
           <a:p>
             <a:r>
-              <a:rPr lang="en-US" smtClean="0"/>
+              <a:rPr lang="en-US"/>
               <a:t>Click to edit Master title style</a:t>
             </a:r>
-            <a:endParaRPr lang="en-US"/>
           </a:p>
         </p:txBody>
       </p:sp>
@@ -1020,7 +1026,7 @@
           <a:p>
             <a:pPr lvl="0"/>
             <a:r>
-              <a:rPr lang="en-US" smtClean="0"/>
+              <a:rPr lang="en-US"/>
               <a:t>Click to edit Master text styles</a:t>
             </a:r>
           </a:p>
@@ -1043,7 +1049,7 @@
           <a:p>
             <a:fld id="{A76116CE-C4A3-4A05-B2D7-7C2E9A889C0F}" type="datetimeFigureOut">
               <a:rPr lang="en-US" smtClean="0"/>
-              <a:t>2/27/2018</a:t>
+              <a:t>3/5/2018</a:t>
             </a:fld>
             <a:endParaRPr lang="en-US"/>
           </a:p>
@@ -1132,10 +1138,9 @@
           <a:lstStyle/>
           <a:p>
             <a:r>
-              <a:rPr lang="en-US" smtClean="0"/>
+              <a:rPr lang="en-US"/>
               <a:t>Click to edit Master title style</a:t>
             </a:r>
-            <a:endParaRPr lang="en-US"/>
           </a:p>
         </p:txBody>
       </p:sp>
@@ -1189,38 +1194,37 @@
           <a:p>
             <a:pPr lvl="0"/>
             <a:r>
-              <a:rPr lang="en-US" smtClean="0"/>
+              <a:rPr lang="en-US"/>
               <a:t>Click to edit Master text styles</a:t>
             </a:r>
           </a:p>
           <a:p>
             <a:pPr lvl="1"/>
             <a:r>
-              <a:rPr lang="en-US" smtClean="0"/>
+              <a:rPr lang="en-US"/>
               <a:t>Second level</a:t>
             </a:r>
           </a:p>
           <a:p>
             <a:pPr lvl="2"/>
             <a:r>
-              <a:rPr lang="en-US" smtClean="0"/>
+              <a:rPr lang="en-US"/>
               <a:t>Third level</a:t>
             </a:r>
           </a:p>
           <a:p>
             <a:pPr lvl="3"/>
             <a:r>
-              <a:rPr lang="en-US" smtClean="0"/>
+              <a:rPr lang="en-US"/>
               <a:t>Fourth level</a:t>
             </a:r>
           </a:p>
           <a:p>
             <a:pPr lvl="4"/>
             <a:r>
-              <a:rPr lang="en-US" smtClean="0"/>
+              <a:rPr lang="en-US"/>
               <a:t>Fifth level</a:t>
             </a:r>
-            <a:endParaRPr lang="en-US"/>
           </a:p>
         </p:txBody>
       </p:sp>
@@ -1274,38 +1278,37 @@
           <a:p>
             <a:pPr lvl="0"/>
             <a:r>
-              <a:rPr lang="en-US" smtClean="0"/>
+              <a:rPr lang="en-US"/>
               <a:t>Click to edit Master text styles</a:t>
             </a:r>
           </a:p>
           <a:p>
             <a:pPr lvl="1"/>
             <a:r>
-              <a:rPr lang="en-US" smtClean="0"/>
+              <a:rPr lang="en-US"/>
               <a:t>Second level</a:t>
             </a:r>
           </a:p>
           <a:p>
             <a:pPr lvl="2"/>
             <a:r>
-              <a:rPr lang="en-US" smtClean="0"/>
+              <a:rPr lang="en-US"/>
               <a:t>Third level</a:t>
             </a:r>
           </a:p>
           <a:p>
             <a:pPr lvl="3"/>
             <a:r>
-              <a:rPr lang="en-US" smtClean="0"/>
+              <a:rPr lang="en-US"/>
               <a:t>Fourth level</a:t>
             </a:r>
           </a:p>
           <a:p>
             <a:pPr lvl="4"/>
             <a:r>
-              <a:rPr lang="en-US" smtClean="0"/>
+              <a:rPr lang="en-US"/>
               <a:t>Fifth level</a:t>
             </a:r>
-            <a:endParaRPr lang="en-US"/>
           </a:p>
         </p:txBody>
       </p:sp>
@@ -1326,7 +1329,7 @@
           <a:p>
             <a:fld id="{A76116CE-C4A3-4A05-B2D7-7C2E9A889C0F}" type="datetimeFigureOut">
               <a:rPr lang="en-US" smtClean="0"/>
-              <a:t>1/30/2017</a:t>
+              <a:t>3/5/2018</a:t>
             </a:fld>
             <a:endParaRPr lang="en-US"/>
           </a:p>
@@ -1419,10 +1422,9 @@
           </a:lstStyle>
           <a:p>
             <a:r>
-              <a:rPr lang="en-US" smtClean="0"/>
+              <a:rPr lang="en-US"/>
               <a:t>Click to edit Master title style</a:t>
             </a:r>
-            <a:endParaRPr lang="en-US"/>
           </a:p>
         </p:txBody>
       </p:sp>
@@ -1485,7 +1487,7 @@
           <a:p>
             <a:pPr lvl="0"/>
             <a:r>
-              <a:rPr lang="en-US" smtClean="0"/>
+              <a:rPr lang="en-US"/>
               <a:t>Click to edit Master text styles</a:t>
             </a:r>
           </a:p>
@@ -1541,38 +1543,37 @@
           <a:p>
             <a:pPr lvl="0"/>
             <a:r>
-              <a:rPr lang="en-US" smtClean="0"/>
+              <a:rPr lang="en-US"/>
               <a:t>Click to edit Master text styles</a:t>
             </a:r>
           </a:p>
           <a:p>
             <a:pPr lvl="1"/>
             <a:r>
-              <a:rPr lang="en-US" smtClean="0"/>
+              <a:rPr lang="en-US"/>
               <a:t>Second level</a:t>
             </a:r>
           </a:p>
           <a:p>
             <a:pPr lvl="2"/>
             <a:r>
-              <a:rPr lang="en-US" smtClean="0"/>
+              <a:rPr lang="en-US"/>
               <a:t>Third level</a:t>
             </a:r>
           </a:p>
           <a:p>
             <a:pPr lvl="3"/>
             <a:r>
-              <a:rPr lang="en-US" smtClean="0"/>
+              <a:rPr lang="en-US"/>
               <a:t>Fourth level</a:t>
             </a:r>
           </a:p>
           <a:p>
             <a:pPr lvl="4"/>
             <a:r>
-              <a:rPr lang="en-US" smtClean="0"/>
+              <a:rPr lang="en-US"/>
               <a:t>Fifth level</a:t>
             </a:r>
-            <a:endParaRPr lang="en-US"/>
           </a:p>
         </p:txBody>
       </p:sp>
@@ -1635,7 +1636,7 @@
           <a:p>
             <a:pPr lvl="0"/>
             <a:r>
-              <a:rPr lang="en-US" smtClean="0"/>
+              <a:rPr lang="en-US"/>
               <a:t>Click to edit Master text styles</a:t>
             </a:r>
           </a:p>
@@ -1691,38 +1692,37 @@
           <a:p>
             <a:pPr lvl="0"/>
             <a:r>
-              <a:rPr lang="en-US" smtClean="0"/>
+              <a:rPr lang="en-US"/>
               <a:t>Click to edit Master text styles</a:t>
             </a:r>
           </a:p>
           <a:p>
             <a:pPr lvl="1"/>
             <a:r>
-              <a:rPr lang="en-US" smtClean="0"/>
+              <a:rPr lang="en-US"/>
               <a:t>Second level</a:t>
             </a:r>
           </a:p>
           <a:p>
             <a:pPr lvl="2"/>
             <a:r>
-              <a:rPr lang="en-US" smtClean="0"/>
+              <a:rPr lang="en-US"/>
               <a:t>Third level</a:t>
             </a:r>
           </a:p>
           <a:p>
             <a:pPr lvl="3"/>
             <a:r>
-              <a:rPr lang="en-US" smtClean="0"/>
+              <a:rPr lang="en-US"/>
               <a:t>Fourth level</a:t>
             </a:r>
           </a:p>
           <a:p>
             <a:pPr lvl="4"/>
             <a:r>
-              <a:rPr lang="en-US" smtClean="0"/>
+              <a:rPr lang="en-US"/>
               <a:t>Fifth level</a:t>
             </a:r>
-            <a:endParaRPr lang="en-US"/>
           </a:p>
         </p:txBody>
       </p:sp>
@@ -1743,7 +1743,7 @@
           <a:p>
             <a:fld id="{A76116CE-C4A3-4A05-B2D7-7C2E9A889C0F}" type="datetimeFigureOut">
               <a:rPr lang="en-US" smtClean="0"/>
-              <a:t>1/30/2017</a:t>
+              <a:t>3/5/2018</a:t>
             </a:fld>
             <a:endParaRPr lang="en-US"/>
           </a:p>
@@ -1832,10 +1832,9 @@
           <a:lstStyle/>
           <a:p>
             <a:r>
-              <a:rPr lang="en-US" smtClean="0"/>
+              <a:rPr lang="en-US"/>
               <a:t>Click to edit Master title style</a:t>
             </a:r>
-            <a:endParaRPr lang="en-US"/>
           </a:p>
         </p:txBody>
       </p:sp>
@@ -1856,7 +1855,7 @@
           <a:p>
             <a:fld id="{A76116CE-C4A3-4A05-B2D7-7C2E9A889C0F}" type="datetimeFigureOut">
               <a:rPr lang="en-US" smtClean="0"/>
-              <a:t>1/30/2017</a:t>
+              <a:t>3/5/2018</a:t>
             </a:fld>
             <a:endParaRPr lang="en-US"/>
           </a:p>
@@ -1946,7 +1945,7 @@
           <a:p>
             <a:fld id="{A76116CE-C4A3-4A05-B2D7-7C2E9A889C0F}" type="datetimeFigureOut">
               <a:rPr lang="en-US" smtClean="0"/>
-              <a:t>1/30/2017</a:t>
+              <a:t>3/5/2018</a:t>
             </a:fld>
             <a:endParaRPr lang="en-US"/>
           </a:p>
@@ -2044,10 +2043,9 @@
           </a:lstStyle>
           <a:p>
             <a:r>
-              <a:rPr lang="en-US" smtClean="0"/>
+              <a:rPr lang="en-US"/>
               <a:t>Click to edit Master title style</a:t>
             </a:r>
-            <a:endParaRPr lang="en-US"/>
           </a:p>
         </p:txBody>
       </p:sp>
@@ -2101,38 +2099,37 @@
           <a:p>
             <a:pPr lvl="0"/>
             <a:r>
-              <a:rPr lang="en-US" smtClean="0"/>
+              <a:rPr lang="en-US"/>
               <a:t>Click to edit Master text styles</a:t>
             </a:r>
           </a:p>
           <a:p>
             <a:pPr lvl="1"/>
             <a:r>
-              <a:rPr lang="en-US" smtClean="0"/>
+              <a:rPr lang="en-US"/>
               <a:t>Second level</a:t>
             </a:r>
           </a:p>
           <a:p>
             <a:pPr lvl="2"/>
             <a:r>
-              <a:rPr lang="en-US" smtClean="0"/>
+              <a:rPr lang="en-US"/>
               <a:t>Third level</a:t>
             </a:r>
           </a:p>
           <a:p>
             <a:pPr lvl="3"/>
             <a:r>
-              <a:rPr lang="en-US" smtClean="0"/>
+              <a:rPr lang="en-US"/>
               <a:t>Fourth level</a:t>
             </a:r>
           </a:p>
           <a:p>
             <a:pPr lvl="4"/>
             <a:r>
-              <a:rPr lang="en-US" smtClean="0"/>
+              <a:rPr lang="en-US"/>
               <a:t>Fifth level</a:t>
             </a:r>
-            <a:endParaRPr lang="en-US"/>
           </a:p>
         </p:txBody>
       </p:sp>
@@ -2195,7 +2192,7 @@
           <a:p>
             <a:pPr lvl="0"/>
             <a:r>
-              <a:rPr lang="en-US" smtClean="0"/>
+              <a:rPr lang="en-US"/>
               <a:t>Click to edit Master text styles</a:t>
             </a:r>
           </a:p>
@@ -2218,7 +2215,7 @@
           <a:p>
             <a:fld id="{A76116CE-C4A3-4A05-B2D7-7C2E9A889C0F}" type="datetimeFigureOut">
               <a:rPr lang="en-US" smtClean="0"/>
-              <a:t>1/30/2017</a:t>
+              <a:t>3/5/2018</a:t>
             </a:fld>
             <a:endParaRPr lang="en-US"/>
           </a:p>
@@ -2316,10 +2313,9 @@
           </a:lstStyle>
           <a:p>
             <a:r>
-              <a:rPr lang="en-US" smtClean="0"/>
+              <a:rPr lang="en-US"/>
               <a:t>Click to edit Master title style</a:t>
             </a:r>
-            <a:endParaRPr lang="en-US"/>
           </a:p>
         </p:txBody>
       </p:sp>
@@ -2443,7 +2439,7 @@
           <a:p>
             <a:pPr lvl="0"/>
             <a:r>
-              <a:rPr lang="en-US" smtClean="0"/>
+              <a:rPr lang="en-US"/>
               <a:t>Click to edit Master text styles</a:t>
             </a:r>
           </a:p>
@@ -2466,7 +2462,7 @@
           <a:p>
             <a:fld id="{A76116CE-C4A3-4A05-B2D7-7C2E9A889C0F}" type="datetimeFigureOut">
               <a:rPr lang="en-US" smtClean="0"/>
-              <a:t>1/30/2017</a:t>
+              <a:t>3/5/2018</a:t>
             </a:fld>
             <a:endParaRPr lang="en-US"/>
           </a:p>
@@ -2570,10 +2566,9 @@
           <a:lstStyle/>
           <a:p>
             <a:r>
-              <a:rPr lang="en-US" smtClean="0"/>
+              <a:rPr lang="en-US"/>
               <a:t>Click to edit Master title style</a:t>
             </a:r>
-            <a:endParaRPr lang="en-US"/>
           </a:p>
         </p:txBody>
       </p:sp>
@@ -2604,38 +2599,37 @@
           <a:p>
             <a:pPr lvl="0"/>
             <a:r>
-              <a:rPr lang="en-US" smtClean="0"/>
+              <a:rPr lang="en-US"/>
               <a:t>Click to edit Master text styles</a:t>
             </a:r>
           </a:p>
           <a:p>
             <a:pPr lvl="1"/>
             <a:r>
-              <a:rPr lang="en-US" smtClean="0"/>
+              <a:rPr lang="en-US"/>
               <a:t>Second level</a:t>
             </a:r>
           </a:p>
           <a:p>
             <a:pPr lvl="2"/>
             <a:r>
-              <a:rPr lang="en-US" smtClean="0"/>
+              <a:rPr lang="en-US"/>
               <a:t>Third level</a:t>
             </a:r>
           </a:p>
           <a:p>
             <a:pPr lvl="3"/>
             <a:r>
-              <a:rPr lang="en-US" smtClean="0"/>
+              <a:rPr lang="en-US"/>
               <a:t>Fourth level</a:t>
             </a:r>
           </a:p>
           <a:p>
             <a:pPr lvl="4"/>
             <a:r>
-              <a:rPr lang="en-US" smtClean="0"/>
+              <a:rPr lang="en-US"/>
               <a:t>Fifth level</a:t>
             </a:r>
-            <a:endParaRPr lang="en-US"/>
           </a:p>
         </p:txBody>
       </p:sp>
@@ -2674,7 +2668,7 @@
           <a:p>
             <a:fld id="{F8166F1F-CE9B-4651-A6AA-CD717754106B}" type="datetimeFigureOut">
               <a:rPr lang="en-US" smtClean="0"/>
-              <a:t>6/13/2013</a:t>
+              <a:t>3/5/2018</a:t>
             </a:fld>
             <a:endParaRPr lang="en-US"/>
           </a:p>
@@ -2752,7 +2746,7 @@
           <a:p>
             <a:fld id="{F7021451-1387-4CA6-816F-3879F97B5CBC}" type="slidenum">
               <a:rPr lang="en-US" smtClean="0"/>
-              <a:t>�#�</a:t>
+              <a:t>‹#›</a:t>
             </a:fld>
             <a:endParaRPr lang="en-US"/>
           </a:p>
@@ -2763,16 +2757,16 @@
   <p:clrMap bg1="lt1" tx1="dk1" bg2="lt2" tx2="dk2" accent1="accent1" accent2="accent2" accent3="accent3" accent4="accent4" accent5="accent5" accent6="accent6" hlink="hlink" folHlink="folHlink"/>
   <p:sldLayoutIdLst>
     <p:sldLayoutId id="2147483649" r:id="rId1"/>
-    <p:sldLayoutId id="2147483650" r:id="rId3"/>
-    <p:sldLayoutId id="2147483651" r:id="rId4"/>
-    <p:sldLayoutId id="2147483652" r:id="rId5"/>
-    <p:sldLayoutId id="2147483653" r:id="rId6"/>
-    <p:sldLayoutId id="2147483654" r:id="rId7"/>
-    <p:sldLayoutId id="2147483655" r:id="rId8"/>
-    <p:sldLayoutId id="2147483656" r:id="rId9"/>
-    <p:sldLayoutId id="2147483657" r:id="rId10"/>
-    <p:sldLayoutId id="2147483658" r:id="rId11"/>
-    <p:sldLayoutId id="2147483659" r:id="rId12"/>
+    <p:sldLayoutId id="2147483650" r:id="rId2"/>
+    <p:sldLayoutId id="2147483651" r:id="rId3"/>
+    <p:sldLayoutId id="2147483652" r:id="rId4"/>
+    <p:sldLayoutId id="2147483653" r:id="rId5"/>
+    <p:sldLayoutId id="2147483654" r:id="rId6"/>
+    <p:sldLayoutId id="2147483655" r:id="rId7"/>
+    <p:sldLayoutId id="2147483656" r:id="rId8"/>
+    <p:sldLayoutId id="2147483657" r:id="rId9"/>
+    <p:sldLayoutId id="2147483658" r:id="rId10"/>
+    <p:sldLayoutId id="2147483659" r:id="rId11"/>
   </p:sldLayoutIdLst>
   <p:txStyles>
     <p:titleStyle>
@@ -3066,8 +3060,118 @@
           <a:prstGeom prst="rect">
             <a:avLst/>
           </a:prstGeom>
+          <a:solidFill>
+            <a:schemeClr val="bg1"/>
+          </a:solidFill>
+          <a:ln>
+            <a:noFill/>
+          </a:ln>
         </p:spPr>
       </p:pic>
+      <p:sp>
+        <p:nvSpPr>
+          <p:cNvPr id="4" name="Rectangle 3">
+            <a:extLst>
+              <a:ext uri="{FF2B5EF4-FFF2-40B4-BE49-F238E27FC236}">
+                <a16:creationId xmlns:a16="http://schemas.microsoft.com/office/drawing/2014/main" id="{C2873865-35EC-4B85-8E0F-182C4DCDE3E0}"/>
+              </a:ext>
+            </a:extLst>
+          </p:cNvPr>
+          <p:cNvSpPr/>
+          <p:nvPr/>
+        </p:nvSpPr>
+        <p:spPr>
+          <a:xfrm>
+            <a:off x="9525000" y="7207250"/>
+            <a:ext cx="5486400" cy="533400"/>
+          </a:xfrm>
+          <a:prstGeom prst="rect">
+            <a:avLst/>
+          </a:prstGeom>
+          <a:solidFill>
+            <a:schemeClr val="bg1"/>
+          </a:solidFill>
+          <a:ln>
+            <a:noFill/>
+          </a:ln>
+        </p:spPr>
+        <p:style>
+          <a:lnRef idx="2">
+            <a:schemeClr val="accent1">
+              <a:shade val="50000"/>
+            </a:schemeClr>
+          </a:lnRef>
+          <a:fillRef idx="1">
+            <a:schemeClr val="accent1"/>
+          </a:fillRef>
+          <a:effectRef idx="0">
+            <a:schemeClr val="accent1"/>
+          </a:effectRef>
+          <a:fontRef idx="minor">
+            <a:schemeClr val="lt1"/>
+          </a:fontRef>
+        </p:style>
+        <p:txBody>
+          <a:bodyPr rtlCol="0" anchor="ctr"/>
+          <a:lstStyle/>
+          <a:p>
+            <a:pPr algn="ctr"/>
+            <a:endParaRPr lang="en-US"/>
+          </a:p>
+        </p:txBody>
+      </p:sp>
+      <p:sp>
+        <p:nvSpPr>
+          <p:cNvPr id="5" name="Rectangle 4">
+            <a:extLst>
+              <a:ext uri="{FF2B5EF4-FFF2-40B4-BE49-F238E27FC236}">
+                <a16:creationId xmlns:a16="http://schemas.microsoft.com/office/drawing/2014/main" id="{ECE47A62-02FF-4C17-9B2C-31DF9B8775D8}"/>
+              </a:ext>
+            </a:extLst>
+          </p:cNvPr>
+          <p:cNvSpPr/>
+          <p:nvPr/>
+        </p:nvSpPr>
+        <p:spPr>
+          <a:xfrm>
+            <a:off x="13868400" y="6597650"/>
+            <a:ext cx="1447800" cy="609600"/>
+          </a:xfrm>
+          <a:prstGeom prst="rect">
+            <a:avLst/>
+          </a:prstGeom>
+          <a:solidFill>
+            <a:schemeClr val="bg1"/>
+          </a:solidFill>
+          <a:ln>
+            <a:noFill/>
+          </a:ln>
+        </p:spPr>
+        <p:style>
+          <a:lnRef idx="2">
+            <a:schemeClr val="accent1">
+              <a:shade val="50000"/>
+            </a:schemeClr>
+          </a:lnRef>
+          <a:fillRef idx="1">
+            <a:schemeClr val="accent1"/>
+          </a:fillRef>
+          <a:effectRef idx="0">
+            <a:schemeClr val="accent1"/>
+          </a:effectRef>
+          <a:fontRef idx="minor">
+            <a:schemeClr val="lt1"/>
+          </a:fontRef>
+        </p:style>
+        <p:txBody>
+          <a:bodyPr rtlCol="0" anchor="ctr"/>
+          <a:lstStyle/>
+          <a:p>
+            <a:pPr algn="ctr"/>
+            <a:endParaRPr lang="en-US"/>
+          </a:p>
+        </p:txBody>
+      </p:sp>
     </p:spTree>
   </p:cSld>
   <p:clrMapOvr>
